--- a/figure-assembly/figure-2-components/figure_2_panel_equations.pptx
+++ b/figure-assembly/figure-2-components/figure_2_panel_equations.pptx
@@ -259,7 +259,7 @@
           <a:p>
             <a:fld id="{2E26A54F-8197-FC45-8BC9-6D7422A795DE}" type="datetimeFigureOut">
               <a:rPr lang="en-US" smtClean="0"/>
-              <a:t>10/20/18</a:t>
+              <a:t>10/21/18</a:t>
             </a:fld>
             <a:endParaRPr lang="en-US"/>
           </a:p>
@@ -457,7 +457,7 @@
           <a:p>
             <a:fld id="{2E26A54F-8197-FC45-8BC9-6D7422A795DE}" type="datetimeFigureOut">
               <a:rPr lang="en-US" smtClean="0"/>
-              <a:t>10/20/18</a:t>
+              <a:t>10/21/18</a:t>
             </a:fld>
             <a:endParaRPr lang="en-US"/>
           </a:p>
@@ -665,7 +665,7 @@
           <a:p>
             <a:fld id="{2E26A54F-8197-FC45-8BC9-6D7422A795DE}" type="datetimeFigureOut">
               <a:rPr lang="en-US" smtClean="0"/>
-              <a:t>10/20/18</a:t>
+              <a:t>10/21/18</a:t>
             </a:fld>
             <a:endParaRPr lang="en-US"/>
           </a:p>
@@ -863,7 +863,7 @@
           <a:p>
             <a:fld id="{2E26A54F-8197-FC45-8BC9-6D7422A795DE}" type="datetimeFigureOut">
               <a:rPr lang="en-US" smtClean="0"/>
-              <a:t>10/20/18</a:t>
+              <a:t>10/21/18</a:t>
             </a:fld>
             <a:endParaRPr lang="en-US"/>
           </a:p>
@@ -1138,7 +1138,7 @@
           <a:p>
             <a:fld id="{2E26A54F-8197-FC45-8BC9-6D7422A795DE}" type="datetimeFigureOut">
               <a:rPr lang="en-US" smtClean="0"/>
-              <a:t>10/20/18</a:t>
+              <a:t>10/21/18</a:t>
             </a:fld>
             <a:endParaRPr lang="en-US"/>
           </a:p>
@@ -1403,7 +1403,7 @@
           <a:p>
             <a:fld id="{2E26A54F-8197-FC45-8BC9-6D7422A795DE}" type="datetimeFigureOut">
               <a:rPr lang="en-US" smtClean="0"/>
-              <a:t>10/20/18</a:t>
+              <a:t>10/21/18</a:t>
             </a:fld>
             <a:endParaRPr lang="en-US"/>
           </a:p>
@@ -1815,7 +1815,7 @@
           <a:p>
             <a:fld id="{2E26A54F-8197-FC45-8BC9-6D7422A795DE}" type="datetimeFigureOut">
               <a:rPr lang="en-US" smtClean="0"/>
-              <a:t>10/20/18</a:t>
+              <a:t>10/21/18</a:t>
             </a:fld>
             <a:endParaRPr lang="en-US"/>
           </a:p>
@@ -1956,7 +1956,7 @@
           <a:p>
             <a:fld id="{2E26A54F-8197-FC45-8BC9-6D7422A795DE}" type="datetimeFigureOut">
               <a:rPr lang="en-US" smtClean="0"/>
-              <a:t>10/20/18</a:t>
+              <a:t>10/21/18</a:t>
             </a:fld>
             <a:endParaRPr lang="en-US"/>
           </a:p>
@@ -2069,7 +2069,7 @@
           <a:p>
             <a:fld id="{2E26A54F-8197-FC45-8BC9-6D7422A795DE}" type="datetimeFigureOut">
               <a:rPr lang="en-US" smtClean="0"/>
-              <a:t>10/20/18</a:t>
+              <a:t>10/21/18</a:t>
             </a:fld>
             <a:endParaRPr lang="en-US"/>
           </a:p>
@@ -2380,7 +2380,7 @@
           <a:p>
             <a:fld id="{2E26A54F-8197-FC45-8BC9-6D7422A795DE}" type="datetimeFigureOut">
               <a:rPr lang="en-US" smtClean="0"/>
-              <a:t>10/20/18</a:t>
+              <a:t>10/21/18</a:t>
             </a:fld>
             <a:endParaRPr lang="en-US"/>
           </a:p>
@@ -2668,7 +2668,7 @@
           <a:p>
             <a:fld id="{2E26A54F-8197-FC45-8BC9-6D7422A795DE}" type="datetimeFigureOut">
               <a:rPr lang="en-US" smtClean="0"/>
-              <a:t>10/20/18</a:t>
+              <a:t>10/21/18</a:t>
             </a:fld>
             <a:endParaRPr lang="en-US"/>
           </a:p>
@@ -2909,7 +2909,7 @@
           <a:p>
             <a:fld id="{2E26A54F-8197-FC45-8BC9-6D7422A795DE}" type="datetimeFigureOut">
               <a:rPr lang="en-US" smtClean="0"/>
-              <a:t>10/20/18</a:t>
+              <a:t>10/21/18</a:t>
             </a:fld>
             <a:endParaRPr lang="en-US"/>
           </a:p>
@@ -3340,19 +3340,17 @@
         </p:nvSpPr>
         <p:spPr>
           <a:xfrm>
-            <a:off x="262647" y="50133"/>
-            <a:ext cx="5029200" cy="5852462"/>
+            <a:off x="186129" y="558141"/>
+            <a:ext cx="5029200" cy="5284520"/>
           </a:xfrm>
           <a:prstGeom prst="rect">
             <a:avLst/>
           </a:prstGeom>
-          <a:solidFill>
-            <a:schemeClr val="bg1">
-              <a:lumMod val="95000"/>
-            </a:schemeClr>
-          </a:solidFill>
-          <a:ln>
-            <a:noFill/>
+          <a:noFill/>
+          <a:ln w="12700">
+            <a:solidFill>
+              <a:schemeClr val="tx1"/>
+            </a:solidFill>
           </a:ln>
         </p:spPr>
         <p:style>
@@ -3380,378 +3378,8 @@
           </a:p>
         </p:txBody>
       </p:sp>
-      <mc:AlternateContent xmlns:mc="http://schemas.openxmlformats.org/markup-compatibility/2006">
-        <mc:Choice xmlns:a14="http://schemas.microsoft.com/office/drawing/2010/main" Requires="a14">
-          <p:sp>
-            <p:nvSpPr>
-              <p:cNvPr id="4" name="TextBox 3">
-                <a:extLst>
-                  <a:ext uri="{FF2B5EF4-FFF2-40B4-BE49-F238E27FC236}">
-                    <a16:creationId xmlns:a16="http://schemas.microsoft.com/office/drawing/2014/main" id="{F2E52585-6A98-0649-8EC6-48D1FD8E3F12}"/>
-                  </a:ext>
-                </a:extLst>
-              </p:cNvPr>
-              <p:cNvSpPr txBox="1"/>
-              <p:nvPr/>
-            </p:nvSpPr>
-            <p:spPr>
-              <a:xfrm>
-                <a:off x="8136002" y="2239282"/>
-                <a:ext cx="579770" cy="338554"/>
-              </a:xfrm>
-              <a:prstGeom prst="rect">
-                <a:avLst/>
-              </a:prstGeom>
-              <a:noFill/>
-              <a:ln>
-                <a:noFill/>
-              </a:ln>
-            </p:spPr>
-            <p:txBody>
-              <a:bodyPr wrap="square" lIns="0" tIns="0" rIns="0" bIns="0" rtlCol="0">
-                <a:spAutoFit/>
-              </a:bodyPr>
-              <a:lstStyle/>
-              <a:p>
-                <a:endParaRPr lang="en-GB" sz="400" i="1" dirty="0">
-                  <a:latin typeface="Cambria Math" panose="02040503050406030204" pitchFamily="18" charset="0"/>
-                </a:endParaRPr>
-              </a:p>
-              <a:p>
-                <a:pPr/>
-                <a14:m>
-                  <m:oMathPara xmlns:m="http://schemas.openxmlformats.org/officeDocument/2006/math">
-                    <m:oMathParaPr>
-                      <m:jc m:val="centerGroup"/>
-                    </m:oMathParaPr>
-                    <m:oMath xmlns:m="http://schemas.openxmlformats.org/officeDocument/2006/math">
-                      <m:sSub>
-                        <m:sSubPr>
-                          <m:ctrlPr>
-                            <a:rPr lang="en-US" sz="1400" i="1" smtClean="0">
-                              <a:latin typeface="Cambria Math" panose="02040503050406030204" pitchFamily="18" charset="0"/>
-                            </a:rPr>
-                          </m:ctrlPr>
-                        </m:sSubPr>
-                        <m:e>
-                          <m:r>
-                            <a:rPr lang="en-GB" sz="1400" b="0" i="1" smtClean="0">
-                              <a:latin typeface="Cambria Math" panose="02040503050406030204" pitchFamily="18" charset="0"/>
-                            </a:rPr>
-                            <m:t>𝑋</m:t>
-                          </m:r>
-                        </m:e>
-                        <m:sub>
-                          <m:r>
-                            <a:rPr lang="en-GB" sz="1400" b="0" i="1" smtClean="0">
-                              <a:latin typeface="Cambria Math" panose="02040503050406030204" pitchFamily="18" charset="0"/>
-                            </a:rPr>
-                            <m:t>𝑑𝑖𝑣</m:t>
-                          </m:r>
-                        </m:sub>
-                      </m:sSub>
-                    </m:oMath>
-                  </m:oMathPara>
-                </a14:m>
-                <a:endParaRPr lang="en-GB" sz="1400" b="0" dirty="0"/>
-              </a:p>
-              <a:p>
-                <a:endParaRPr lang="en-US" sz="400" dirty="0"/>
-              </a:p>
-            </p:txBody>
-          </p:sp>
-        </mc:Choice>
-        <mc:Fallback>
-          <p:sp>
-            <p:nvSpPr>
-              <p:cNvPr id="4" name="TextBox 3">
-                <a:extLst>
-                  <a:ext uri="{FF2B5EF4-FFF2-40B4-BE49-F238E27FC236}">
-                    <a16:creationId xmlns:a16="http://schemas.microsoft.com/office/drawing/2014/main" id="{F2E52585-6A98-0649-8EC6-48D1FD8E3F12}"/>
-                  </a:ext>
-                </a:extLst>
-              </p:cNvPr>
-              <p:cNvSpPr txBox="1">
-                <a:spLocks noRot="1" noChangeAspect="1" noMove="1" noResize="1" noEditPoints="1" noAdjustHandles="1" noChangeArrowheads="1" noChangeShapeType="1" noTextEdit="1"/>
-              </p:cNvSpPr>
-              <p:nvPr/>
-            </p:nvSpPr>
-            <p:spPr>
-              <a:xfrm>
-                <a:off x="8136002" y="2239282"/>
-                <a:ext cx="579770" cy="338554"/>
-              </a:xfrm>
-              <a:prstGeom prst="rect">
-                <a:avLst/>
-              </a:prstGeom>
-              <a:blipFill>
-                <a:blip r:embed="rId2"/>
-                <a:stretch>
-                  <a:fillRect/>
-                </a:stretch>
-              </a:blipFill>
-              <a:ln>
-                <a:noFill/>
-              </a:ln>
-            </p:spPr>
-            <p:txBody>
-              <a:bodyPr/>
-              <a:lstStyle/>
-              <a:p>
-                <a:r>
-                  <a:rPr lang="en-US">
-                    <a:noFill/>
-                  </a:rPr>
-                  <a:t> </a:t>
-                </a:r>
-              </a:p>
-            </p:txBody>
-          </p:sp>
-        </mc:Fallback>
-      </mc:AlternateContent>
-      <mc:AlternateContent xmlns:mc="http://schemas.openxmlformats.org/markup-compatibility/2006">
-        <mc:Choice xmlns:a14="http://schemas.microsoft.com/office/drawing/2010/main" Requires="a14">
-          <p:sp>
-            <p:nvSpPr>
-              <p:cNvPr id="5" name="TextBox 4">
-                <a:extLst>
-                  <a:ext uri="{FF2B5EF4-FFF2-40B4-BE49-F238E27FC236}">
-                    <a16:creationId xmlns:a16="http://schemas.microsoft.com/office/drawing/2014/main" id="{28E05BE6-2761-6849-BAAF-A5B11C9AD8DD}"/>
-                  </a:ext>
-                </a:extLst>
-              </p:cNvPr>
-              <p:cNvSpPr txBox="1"/>
-              <p:nvPr/>
-            </p:nvSpPr>
-            <p:spPr>
-              <a:xfrm>
-                <a:off x="8183502" y="3012160"/>
-                <a:ext cx="611962" cy="439544"/>
-              </a:xfrm>
-              <a:prstGeom prst="rect">
-                <a:avLst/>
-              </a:prstGeom>
-              <a:noFill/>
-              <a:ln>
-                <a:noFill/>
-              </a:ln>
-            </p:spPr>
-            <p:txBody>
-              <a:bodyPr wrap="none" lIns="0" tIns="0" rIns="0" bIns="0" rtlCol="0">
-                <a:spAutoFit/>
-              </a:bodyPr>
-              <a:lstStyle/>
-              <a:p>
-                <a:endParaRPr lang="en-GB" sz="400" i="1" dirty="0">
-                  <a:latin typeface="Cambria Math" panose="02040503050406030204" pitchFamily="18" charset="0"/>
-                </a:endParaRPr>
-              </a:p>
-              <a:p>
-                <a:pPr/>
-                <a14:m>
-                  <m:oMathPara xmlns:m="http://schemas.openxmlformats.org/officeDocument/2006/math">
-                    <m:oMathParaPr>
-                      <m:jc m:val="centerGroup"/>
-                    </m:oMathParaPr>
-                    <m:oMath xmlns:m="http://schemas.openxmlformats.org/officeDocument/2006/math">
-                      <m:f>
-                        <m:fPr>
-                          <m:type m:val="skw"/>
-                          <m:ctrlPr>
-                            <a:rPr lang="en-US" sz="1400" i="1" smtClean="0">
-                              <a:latin typeface="Cambria Math" panose="02040503050406030204" pitchFamily="18" charset="0"/>
-                            </a:rPr>
-                          </m:ctrlPr>
-                        </m:fPr>
-                        <m:num>
-                          <m:sSub>
-                            <m:sSubPr>
-                              <m:ctrlPr>
-                                <a:rPr lang="en-US" sz="1400" i="1" smtClean="0">
-                                  <a:latin typeface="Cambria Math" panose="02040503050406030204" pitchFamily="18" charset="0"/>
-                                </a:rPr>
-                              </m:ctrlPr>
-                            </m:sSubPr>
-                            <m:e>
-                              <m:r>
-                                <a:rPr lang="en-GB" sz="1400" b="0" i="1" smtClean="0">
-                                  <a:latin typeface="Cambria Math" panose="02040503050406030204" pitchFamily="18" charset="0"/>
-                                </a:rPr>
-                                <m:t>𝑋</m:t>
-                              </m:r>
-                            </m:e>
-                            <m:sub>
-                              <m:r>
-                                <a:rPr lang="en-GB" sz="1400" b="0" i="1" smtClean="0">
-                                  <a:latin typeface="Cambria Math" panose="02040503050406030204" pitchFamily="18" charset="0"/>
-                                </a:rPr>
-                                <m:t>𝑑𝑖𝑣</m:t>
-                              </m:r>
-                            </m:sub>
-                          </m:sSub>
-                        </m:num>
-                        <m:den>
-                          <m:r>
-                            <a:rPr lang="en-GB" sz="1400" b="0" i="1" smtClean="0">
-                              <a:latin typeface="Cambria Math" panose="02040503050406030204" pitchFamily="18" charset="0"/>
-                            </a:rPr>
-                            <m:t>2</m:t>
-                          </m:r>
-                        </m:den>
-                      </m:f>
-                    </m:oMath>
-                  </m:oMathPara>
-                </a14:m>
-                <a:endParaRPr lang="en-GB" sz="1400" b="0" dirty="0"/>
-              </a:p>
-              <a:p>
-                <a:endParaRPr lang="en-US" sz="400" dirty="0"/>
-              </a:p>
-            </p:txBody>
-          </p:sp>
-        </mc:Choice>
-        <mc:Fallback>
-          <p:sp>
-            <p:nvSpPr>
-              <p:cNvPr id="5" name="TextBox 4">
-                <a:extLst>
-                  <a:ext uri="{FF2B5EF4-FFF2-40B4-BE49-F238E27FC236}">
-                    <a16:creationId xmlns:a16="http://schemas.microsoft.com/office/drawing/2014/main" id="{28E05BE6-2761-6849-BAAF-A5B11C9AD8DD}"/>
-                  </a:ext>
-                </a:extLst>
-              </p:cNvPr>
-              <p:cNvSpPr txBox="1">
-                <a:spLocks noRot="1" noChangeAspect="1" noMove="1" noResize="1" noEditPoints="1" noAdjustHandles="1" noChangeArrowheads="1" noChangeShapeType="1" noTextEdit="1"/>
-              </p:cNvSpPr>
-              <p:nvPr/>
-            </p:nvSpPr>
-            <p:spPr>
-              <a:xfrm>
-                <a:off x="8183502" y="3012160"/>
-                <a:ext cx="611962" cy="439544"/>
-              </a:xfrm>
-              <a:prstGeom prst="rect">
-                <a:avLst/>
-              </a:prstGeom>
-              <a:blipFill>
-                <a:blip r:embed="rId3"/>
-                <a:stretch>
-                  <a:fillRect l="-6000" t="-80556" r="-24000" b="-133333"/>
-                </a:stretch>
-              </a:blipFill>
-              <a:ln>
-                <a:noFill/>
-              </a:ln>
-            </p:spPr>
-            <p:txBody>
-              <a:bodyPr/>
-              <a:lstStyle/>
-              <a:p>
-                <a:r>
-                  <a:rPr lang="en-US">
-                    <a:noFill/>
-                  </a:rPr>
-                  <a:t> </a:t>
-                </a:r>
-              </a:p>
-            </p:txBody>
-          </p:sp>
-        </mc:Fallback>
-      </mc:AlternateContent>
-      <p:cxnSp>
-        <p:nvCxnSpPr>
-          <p:cNvPr id="6" name="Straight Connector 5">
-            <a:extLst>
-              <a:ext uri="{FF2B5EF4-FFF2-40B4-BE49-F238E27FC236}">
-                <a16:creationId xmlns:a16="http://schemas.microsoft.com/office/drawing/2014/main" id="{04BF50A1-0A74-774E-98C3-523E27CF39C8}"/>
-              </a:ext>
-            </a:extLst>
-          </p:cNvPr>
-          <p:cNvCxnSpPr>
-            <a:cxnSpLocks/>
-          </p:cNvCxnSpPr>
-          <p:nvPr/>
-        </p:nvCxnSpPr>
-        <p:spPr>
-          <a:xfrm>
-            <a:off x="7197552" y="2570322"/>
-            <a:ext cx="3427447" cy="7514"/>
-          </a:xfrm>
-          <a:prstGeom prst="line">
-            <a:avLst/>
-          </a:prstGeom>
-          <a:ln w="19050">
-            <a:solidFill>
-              <a:schemeClr val="bg2">
-                <a:lumMod val="50000"/>
-              </a:schemeClr>
-            </a:solidFill>
-            <a:prstDash val="lgDash"/>
-          </a:ln>
-        </p:spPr>
-        <p:style>
-          <a:lnRef idx="1">
-            <a:schemeClr val="accent1"/>
-          </a:lnRef>
-          <a:fillRef idx="0">
-            <a:schemeClr val="accent1"/>
-          </a:fillRef>
-          <a:effectRef idx="0">
-            <a:schemeClr val="accent1"/>
-          </a:effectRef>
-          <a:fontRef idx="minor">
-            <a:schemeClr val="tx1"/>
-          </a:fontRef>
-        </p:style>
-      </p:cxnSp>
-      <p:cxnSp>
-        <p:nvCxnSpPr>
-          <p:cNvPr id="7" name="Straight Connector 6">
-            <a:extLst>
-              <a:ext uri="{FF2B5EF4-FFF2-40B4-BE49-F238E27FC236}">
-                <a16:creationId xmlns:a16="http://schemas.microsoft.com/office/drawing/2014/main" id="{F7C18B8B-CCC0-0E49-AFFA-90499C8ADBB6}"/>
-              </a:ext>
-            </a:extLst>
-          </p:cNvPr>
-          <p:cNvCxnSpPr>
-            <a:cxnSpLocks/>
-          </p:cNvCxnSpPr>
-          <p:nvPr/>
-        </p:nvCxnSpPr>
-        <p:spPr>
-          <a:xfrm>
-            <a:off x="7197552" y="3429000"/>
-            <a:ext cx="3427447" cy="0"/>
-          </a:xfrm>
-          <a:prstGeom prst="line">
-            <a:avLst/>
-          </a:prstGeom>
-          <a:ln w="19050">
-            <a:solidFill>
-              <a:schemeClr val="bg2">
-                <a:lumMod val="50000"/>
-              </a:schemeClr>
-            </a:solidFill>
-            <a:prstDash val="lgDash"/>
-          </a:ln>
-        </p:spPr>
-        <p:style>
-          <a:lnRef idx="1">
-            <a:schemeClr val="accent1"/>
-          </a:lnRef>
-          <a:fillRef idx="0">
-            <a:schemeClr val="accent1"/>
-          </a:fillRef>
-          <a:effectRef idx="0">
-            <a:schemeClr val="accent1"/>
-          </a:effectRef>
-          <a:fontRef idx="minor">
-            <a:schemeClr val="tx1"/>
-          </a:fontRef>
-        </p:style>
-      </p:cxnSp>
-      <mc:AlternateContent xmlns:mc="http://schemas.openxmlformats.org/markup-compatibility/2006">
-        <mc:Choice xmlns:a14="http://schemas.microsoft.com/office/drawing/2010/main" Requires="a14">
+      <mc:AlternateContent xmlns:mc="http://schemas.openxmlformats.org/markup-compatibility/2006" xmlns:a14="http://schemas.microsoft.com/office/drawing/2010/main">
+        <mc:Choice Requires="a14">
           <p:sp>
             <p:nvSpPr>
               <p:cNvPr id="13" name="Content Placeholder 2">
@@ -4308,7 +3936,7 @@
             </p:txBody>
           </p:sp>
         </mc:Choice>
-        <mc:Fallback>
+        <mc:Fallback xmlns="">
           <p:sp>
             <p:nvSpPr>
               <p:cNvPr id="13" name="Content Placeholder 2">
@@ -4356,43 +3984,8 @@
           </p:sp>
         </mc:Fallback>
       </mc:AlternateContent>
-      <p:sp>
-        <p:nvSpPr>
-          <p:cNvPr id="2" name="Rectangle 1">
-            <a:extLst>
-              <a:ext uri="{FF2B5EF4-FFF2-40B4-BE49-F238E27FC236}">
-                <a16:creationId xmlns:a16="http://schemas.microsoft.com/office/drawing/2014/main" id="{86DE7427-C120-B74D-8823-F3A32A95E2CD}"/>
-              </a:ext>
-            </a:extLst>
-          </p:cNvPr>
-          <p:cNvSpPr/>
-          <p:nvPr/>
-        </p:nvSpPr>
-        <p:spPr>
-          <a:xfrm>
-            <a:off x="1578449" y="101565"/>
-            <a:ext cx="2371740" cy="369332"/>
-          </a:xfrm>
-          <a:prstGeom prst="rect">
-            <a:avLst/>
-          </a:prstGeom>
-        </p:spPr>
-        <p:txBody>
-          <a:bodyPr wrap="none">
-            <a:spAutoFit/>
-          </a:bodyPr>
-          <a:lstStyle/>
-          <a:p>
-            <a:pPr algn="ctr"/>
-            <a:r>
-              <a:rPr lang="en-US" b="1" dirty="0"/>
-              <a:t>Steady-state equations</a:t>
-            </a:r>
-          </a:p>
-        </p:txBody>
-      </p:sp>
-      <mc:AlternateContent xmlns:mc="http://schemas.openxmlformats.org/markup-compatibility/2006">
-        <mc:Choice xmlns:a14="http://schemas.microsoft.com/office/drawing/2010/main" Requires="a14">
+      <mc:AlternateContent xmlns:mc="http://schemas.openxmlformats.org/markup-compatibility/2006" xmlns:a14="http://schemas.microsoft.com/office/drawing/2010/main">
+        <mc:Choice Requires="a14">
           <p:sp>
             <p:nvSpPr>
               <p:cNvPr id="8" name="Rectangle 7">
@@ -4669,7 +4262,7 @@
             </p:txBody>
           </p:sp>
         </mc:Choice>
-        <mc:Fallback>
+        <mc:Fallback xmlns="">
           <p:sp>
             <p:nvSpPr>
               <p:cNvPr id="8" name="Rectangle 7">
@@ -4778,8 +4371,8 @@
           </a:p>
         </p:txBody>
       </p:sp>
-      <mc:AlternateContent xmlns:mc="http://schemas.openxmlformats.org/markup-compatibility/2006">
-        <mc:Choice xmlns:a14="http://schemas.microsoft.com/office/drawing/2010/main" Requires="a14">
+      <mc:AlternateContent xmlns:mc="http://schemas.openxmlformats.org/markup-compatibility/2006" xmlns:a14="http://schemas.microsoft.com/office/drawing/2010/main">
+        <mc:Choice Requires="a14">
           <p:sp>
             <p:nvSpPr>
               <p:cNvPr id="12" name="Rectangle 11">
@@ -4807,6 +4400,7 @@
               </a:bodyPr>
               <a:lstStyle/>
               <a:p>
+                <a:pPr/>
                 <a14:m>
                   <m:oMathPara xmlns:m="http://schemas.openxmlformats.org/officeDocument/2006/math">
                     <m:oMathParaPr>
@@ -4953,7 +4547,7 @@
             </p:txBody>
           </p:sp>
         </mc:Choice>
-        <mc:Fallback>
+        <mc:Fallback xmlns="">
           <p:sp>
             <p:nvSpPr>
               <p:cNvPr id="12" name="Rectangle 11">
@@ -5121,8 +4715,8 @@
         </p:nvCxnSpPr>
         <p:spPr>
           <a:xfrm>
-            <a:off x="660038" y="2328231"/>
-            <a:ext cx="4301068" cy="0"/>
+            <a:off x="186129" y="2328231"/>
+            <a:ext cx="5029200" cy="0"/>
           </a:xfrm>
           <a:prstGeom prst="line">
             <a:avLst/>
@@ -5160,8 +4754,8 @@
         </p:nvCxnSpPr>
         <p:spPr>
           <a:xfrm>
-            <a:off x="678067" y="4134332"/>
-            <a:ext cx="4301068" cy="0"/>
+            <a:off x="186129" y="4134332"/>
+            <a:ext cx="5029200" cy="0"/>
           </a:xfrm>
           <a:prstGeom prst="line">
             <a:avLst/>

--- a/figure-assembly/figure-2-components/figure_2_panel_equations.pptx
+++ b/figure-assembly/figure-2-components/figure_2_panel_equations.pptx
@@ -259,7 +259,7 @@
           <a:p>
             <a:fld id="{2E26A54F-8197-FC45-8BC9-6D7422A795DE}" type="datetimeFigureOut">
               <a:rPr lang="en-US" smtClean="0"/>
-              <a:t>10/21/18</a:t>
+              <a:t>10/30/18</a:t>
             </a:fld>
             <a:endParaRPr lang="en-US"/>
           </a:p>
@@ -457,7 +457,7 @@
           <a:p>
             <a:fld id="{2E26A54F-8197-FC45-8BC9-6D7422A795DE}" type="datetimeFigureOut">
               <a:rPr lang="en-US" smtClean="0"/>
-              <a:t>10/21/18</a:t>
+              <a:t>10/30/18</a:t>
             </a:fld>
             <a:endParaRPr lang="en-US"/>
           </a:p>
@@ -665,7 +665,7 @@
           <a:p>
             <a:fld id="{2E26A54F-8197-FC45-8BC9-6D7422A795DE}" type="datetimeFigureOut">
               <a:rPr lang="en-US" smtClean="0"/>
-              <a:t>10/21/18</a:t>
+              <a:t>10/30/18</a:t>
             </a:fld>
             <a:endParaRPr lang="en-US"/>
           </a:p>
@@ -863,7 +863,7 @@
           <a:p>
             <a:fld id="{2E26A54F-8197-FC45-8BC9-6D7422A795DE}" type="datetimeFigureOut">
               <a:rPr lang="en-US" smtClean="0"/>
-              <a:t>10/21/18</a:t>
+              <a:t>10/30/18</a:t>
             </a:fld>
             <a:endParaRPr lang="en-US"/>
           </a:p>
@@ -1138,7 +1138,7 @@
           <a:p>
             <a:fld id="{2E26A54F-8197-FC45-8BC9-6D7422A795DE}" type="datetimeFigureOut">
               <a:rPr lang="en-US" smtClean="0"/>
-              <a:t>10/21/18</a:t>
+              <a:t>10/30/18</a:t>
             </a:fld>
             <a:endParaRPr lang="en-US"/>
           </a:p>
@@ -1403,7 +1403,7 @@
           <a:p>
             <a:fld id="{2E26A54F-8197-FC45-8BC9-6D7422A795DE}" type="datetimeFigureOut">
               <a:rPr lang="en-US" smtClean="0"/>
-              <a:t>10/21/18</a:t>
+              <a:t>10/30/18</a:t>
             </a:fld>
             <a:endParaRPr lang="en-US"/>
           </a:p>
@@ -1815,7 +1815,7 @@
           <a:p>
             <a:fld id="{2E26A54F-8197-FC45-8BC9-6D7422A795DE}" type="datetimeFigureOut">
               <a:rPr lang="en-US" smtClean="0"/>
-              <a:t>10/21/18</a:t>
+              <a:t>10/30/18</a:t>
             </a:fld>
             <a:endParaRPr lang="en-US"/>
           </a:p>
@@ -1956,7 +1956,7 @@
           <a:p>
             <a:fld id="{2E26A54F-8197-FC45-8BC9-6D7422A795DE}" type="datetimeFigureOut">
               <a:rPr lang="en-US" smtClean="0"/>
-              <a:t>10/21/18</a:t>
+              <a:t>10/30/18</a:t>
             </a:fld>
             <a:endParaRPr lang="en-US"/>
           </a:p>
@@ -2069,7 +2069,7 @@
           <a:p>
             <a:fld id="{2E26A54F-8197-FC45-8BC9-6D7422A795DE}" type="datetimeFigureOut">
               <a:rPr lang="en-US" smtClean="0"/>
-              <a:t>10/21/18</a:t>
+              <a:t>10/30/18</a:t>
             </a:fld>
             <a:endParaRPr lang="en-US"/>
           </a:p>
@@ -2380,7 +2380,7 @@
           <a:p>
             <a:fld id="{2E26A54F-8197-FC45-8BC9-6D7422A795DE}" type="datetimeFigureOut">
               <a:rPr lang="en-US" smtClean="0"/>
-              <a:t>10/21/18</a:t>
+              <a:t>10/30/18</a:t>
             </a:fld>
             <a:endParaRPr lang="en-US"/>
           </a:p>
@@ -2668,7 +2668,7 @@
           <a:p>
             <a:fld id="{2E26A54F-8197-FC45-8BC9-6D7422A795DE}" type="datetimeFigureOut">
               <a:rPr lang="en-US" smtClean="0"/>
-              <a:t>10/21/18</a:t>
+              <a:t>10/30/18</a:t>
             </a:fld>
             <a:endParaRPr lang="en-US"/>
           </a:p>
@@ -2909,7 +2909,7 @@
           <a:p>
             <a:fld id="{2E26A54F-8197-FC45-8BC9-6D7422A795DE}" type="datetimeFigureOut">
               <a:rPr lang="en-US" smtClean="0"/>
-              <a:t>10/21/18</a:t>
+              <a:t>10/30/18</a:t>
             </a:fld>
             <a:endParaRPr lang="en-US"/>
           </a:p>
@@ -3984,8 +3984,8 @@
           </p:sp>
         </mc:Fallback>
       </mc:AlternateContent>
-      <mc:AlternateContent xmlns:mc="http://schemas.openxmlformats.org/markup-compatibility/2006" xmlns:a14="http://schemas.microsoft.com/office/drawing/2010/main">
-        <mc:Choice Requires="a14">
+      <mc:AlternateContent xmlns:mc="http://schemas.openxmlformats.org/markup-compatibility/2006">
+        <mc:Choice xmlns:a14="http://schemas.microsoft.com/office/drawing/2010/main" Requires="a14">
           <p:sp>
             <p:nvSpPr>
               <p:cNvPr id="8" name="Rectangle 7">
@@ -4000,8 +4000,8 @@
             </p:nvSpPr>
             <p:spPr>
               <a:xfrm>
-                <a:off x="660038" y="2606540"/>
-                <a:ext cx="4111557" cy="642484"/>
+                <a:off x="510640" y="2606540"/>
+                <a:ext cx="4260956" cy="934871"/>
               </a:xfrm>
               <a:prstGeom prst="rect">
                 <a:avLst/>
@@ -4013,6 +4013,36 @@
               </a:bodyPr>
               <a:lstStyle/>
               <a:p>
+                <a:pPr algn="ctr"/>
+                <a:r>
+                  <a:rPr lang="en-GB" sz="1600" dirty="0">
+                    <a:ea typeface="Cambria Math" panose="02040503050406030204" pitchFamily="18" charset="0"/>
+                  </a:rPr>
+                  <a:t>Growth rate</a:t>
+                </a:r>
+                <a:r>
+                  <a:rPr lang="en-GB" sz="1900" dirty="0">
+                    <a:ea typeface="Cambria Math" panose="02040503050406030204" pitchFamily="18" charset="0"/>
+                  </a:rPr>
+                  <a:t> </a:t>
+                </a:r>
+                <a14:m>
+                  <m:oMath xmlns:m="http://schemas.openxmlformats.org/officeDocument/2006/math">
+                    <m:r>
+                      <a:rPr lang="el-GR" sz="1900" i="1" smtClean="0">
+                        <a:latin typeface="Cambria Math" panose="02040503050406030204" pitchFamily="18" charset="0"/>
+                        <a:ea typeface="Cambria Math" panose="02040503050406030204" pitchFamily="18" charset="0"/>
+                      </a:rPr>
+                      <m:t>𝛼</m:t>
+                    </m:r>
+                  </m:oMath>
+                </a14:m>
+                <a:endParaRPr lang="en-GB" sz="1900" b="0" i="0" dirty="0">
+                  <a:latin typeface="Cambria Math" panose="02040503050406030204" pitchFamily="18" charset="0"/>
+                  <a:ea typeface="Cambria Math" panose="02040503050406030204" pitchFamily="18" charset="0"/>
+                </a:endParaRPr>
+              </a:p>
+              <a:p>
                 <a:pPr/>
                 <a14:m>
                   <m:oMathPara xmlns:m="http://schemas.openxmlformats.org/officeDocument/2006/math">
@@ -4021,7 +4051,13 @@
                     </m:oMathParaPr>
                     <m:oMath xmlns:m="http://schemas.openxmlformats.org/officeDocument/2006/math">
                       <m:r>
-                        <a:rPr lang="ar-AE" sz="1900">
+                        <a:rPr lang="en-GB" sz="1900" b="0" i="0" smtClean="0">
+                          <a:latin typeface="Cambria Math" panose="02040503050406030204" pitchFamily="18" charset="0"/>
+                        </a:rPr>
+                        <m:t>=</m:t>
+                      </m:r>
+                      <m:r>
+                        <a:rPr lang="ar-AE" sz="1900" smtClean="0">
                           <a:latin typeface="Cambria Math" panose="02040503050406030204" pitchFamily="18" charset="0"/>
                         </a:rPr>
                         <m:t>𝑘</m:t>
@@ -4262,7 +4298,7 @@
             </p:txBody>
           </p:sp>
         </mc:Choice>
-        <mc:Fallback xmlns="">
+        <mc:Fallback>
           <p:sp>
             <p:nvSpPr>
               <p:cNvPr id="8" name="Rectangle 7">
@@ -4279,8 +4315,8 @@
             </p:nvSpPr>
             <p:spPr>
               <a:xfrm>
-                <a:off x="660038" y="2606540"/>
-                <a:ext cx="4111557" cy="642484"/>
+                <a:off x="510640" y="2606540"/>
+                <a:ext cx="4260956" cy="934871"/>
               </a:xfrm>
               <a:prstGeom prst="rect">
                 <a:avLst/>
@@ -4288,7 +4324,7 @@
               <a:blipFill>
                 <a:blip r:embed="rId5"/>
                 <a:stretch>
-                  <a:fillRect b="-1923"/>
+                  <a:fillRect b="-1333"/>
                 </a:stretch>
               </a:blipFill>
             </p:spPr>
@@ -4670,7 +4706,7 @@
         </p:nvSpPr>
         <p:spPr>
           <a:xfrm>
-            <a:off x="843949" y="3302056"/>
+            <a:off x="843949" y="3527686"/>
             <a:ext cx="3743734" cy="523220"/>
           </a:xfrm>
           <a:prstGeom prst="rect">
